--- a/parts/introduction/images/figs.pptx
+++ b/parts/introduction/images/figs.pptx
@@ -104,6 +104,11 @@
       </a:defRPr>
     </a:lvl9pPr>
   </p:defaultTextStyle>
+  <p:extLst>
+    <p:ext uri="{EFAFB233-063F-42B5-8137-9DF3F51BA10A}">
+      <p15:sldGuideLst xmlns:p15="http://schemas.microsoft.com/office/powerpoint/2012/main"/>
+    </p:ext>
+  </p:extLst>
 </p:presentation>
 </file>
 
@@ -3321,6 +3326,1014 @@
           <a:chExt cx="0" cy="0"/>
         </a:xfrm>
       </p:grpSpPr>
+      <p:graphicFrame>
+        <p:nvGraphicFramePr>
+          <p:cNvPr id="10" name="Table 10">
+            <a:extLst>
+              <a:ext uri="{FF2B5EF4-FFF2-40B4-BE49-F238E27FC236}">
+                <a16:creationId xmlns:a16="http://schemas.microsoft.com/office/drawing/2014/main" id="{28CBDE55-BEEE-5465-339A-0238D2A6D8D5}"/>
+              </a:ext>
+            </a:extLst>
+          </p:cNvPr>
+          <p:cNvGraphicFramePr>
+            <a:graphicFrameLocks noGrp="1"/>
+          </p:cNvGraphicFramePr>
+          <p:nvPr>
+            <p:extLst>
+              <p:ext uri="{D42A27DB-BD31-4B8C-83A1-F6EECF244321}">
+                <p14:modId xmlns:p14="http://schemas.microsoft.com/office/powerpoint/2010/main" val="685734518"/>
+              </p:ext>
+            </p:extLst>
+          </p:nvPr>
+        </p:nvGraphicFramePr>
+        <p:xfrm>
+          <a:off x="525519" y="2416150"/>
+          <a:ext cx="11155876" cy="1483185"/>
+        </p:xfrm>
+        <a:graphic>
+          <a:graphicData uri="http://schemas.openxmlformats.org/drawingml/2006/table">
+            <a:tbl>
+              <a:tblPr firstRow="1" bandRow="1">
+                <a:tableStyleId>{2D5ABB26-0587-4C30-8999-92F81FD0307C}</a:tableStyleId>
+              </a:tblPr>
+              <a:tblGrid>
+                <a:gridCol w="2270234">
+                  <a:extLst>
+                    <a:ext uri="{9D8B030D-6E8A-4147-A177-3AD203B41FA5}">
+                      <a16:colId xmlns:a16="http://schemas.microsoft.com/office/drawing/2014/main" val="3092479153"/>
+                    </a:ext>
+                  </a:extLst>
+                </a:gridCol>
+                <a:gridCol w="1807780">
+                  <a:extLst>
+                    <a:ext uri="{9D8B030D-6E8A-4147-A177-3AD203B41FA5}">
+                      <a16:colId xmlns:a16="http://schemas.microsoft.com/office/drawing/2014/main" val="93458892"/>
+                    </a:ext>
+                  </a:extLst>
+                </a:gridCol>
+                <a:gridCol w="3352800">
+                  <a:extLst>
+                    <a:ext uri="{9D8B030D-6E8A-4147-A177-3AD203B41FA5}">
+                      <a16:colId xmlns:a16="http://schemas.microsoft.com/office/drawing/2014/main" val="1334118737"/>
+                    </a:ext>
+                  </a:extLst>
+                </a:gridCol>
+                <a:gridCol w="1849820">
+                  <a:extLst>
+                    <a:ext uri="{9D8B030D-6E8A-4147-A177-3AD203B41FA5}">
+                      <a16:colId xmlns:a16="http://schemas.microsoft.com/office/drawing/2014/main" val="2639707236"/>
+                    </a:ext>
+                  </a:extLst>
+                </a:gridCol>
+                <a:gridCol w="1875242">
+                  <a:extLst>
+                    <a:ext uri="{9D8B030D-6E8A-4147-A177-3AD203B41FA5}">
+                      <a16:colId xmlns:a16="http://schemas.microsoft.com/office/drawing/2014/main" val="3376756081"/>
+                    </a:ext>
+                  </a:extLst>
+                </a:gridCol>
+              </a:tblGrid>
+              <a:tr h="496663">
+                <a:tc>
+                  <a:txBody>
+                    <a:bodyPr/>
+                    <a:lstStyle/>
+                    <a:p>
+                      <a:pPr marL="0" marR="0" lvl="0" indent="0" algn="r" defTabSz="914400" rtl="0" eaLnBrk="1" fontAlgn="auto" latinLnBrk="0" hangingPunct="1">
+                        <a:lnSpc>
+                          <a:spcPct val="100000"/>
+                        </a:lnSpc>
+                        <a:spcBef>
+                          <a:spcPts val="0"/>
+                        </a:spcBef>
+                        <a:spcAft>
+                          <a:spcPts val="0"/>
+                        </a:spcAft>
+                        <a:buClrTx/>
+                        <a:buSzTx/>
+                        <a:buFontTx/>
+                        <a:buNone/>
+                        <a:tabLst/>
+                        <a:defRPr/>
+                      </a:pPr>
+                      <a:r>
+                        <a:rPr lang="en-US" sz="1800" dirty="0"/>
+                        <a:t>Experiment Design</a:t>
+                      </a:r>
+                      <a:endParaRPr lang="en-US" dirty="0"/>
+                    </a:p>
+                  </a:txBody>
+                  <a:tcPr anchor="ctr">
+                    <a:lnR w="12700" cap="flat" cmpd="sng" algn="ctr">
+                      <a:solidFill>
+                        <a:schemeClr val="tx1"/>
+                      </a:solidFill>
+                      <a:prstDash val="solid"/>
+                      <a:round/>
+                      <a:headEnd type="none" w="med" len="med"/>
+                      <a:tailEnd type="none" w="med" len="med"/>
+                    </a:lnR>
+                    <a:lnB w="12700" cap="flat" cmpd="sng" algn="ctr">
+                      <a:solidFill>
+                        <a:schemeClr val="tx1"/>
+                      </a:solidFill>
+                      <a:prstDash val="solid"/>
+                      <a:round/>
+                      <a:headEnd type="none" w="med" len="med"/>
+                      <a:tailEnd type="none" w="med" len="med"/>
+                    </a:lnB>
+                  </a:tcPr>
+                </a:tc>
+                <a:tc>
+                  <a:txBody>
+                    <a:bodyPr/>
+                    <a:lstStyle/>
+                    <a:p>
+                      <a:pPr algn="ctr"/>
+                      <a:r>
+                        <a:rPr lang="en-US" sz="1800" b="0" kern="1200" dirty="0">
+                          <a:solidFill>
+                            <a:schemeClr val="dk1"/>
+                          </a:solidFill>
+                          <a:effectLst/>
+                        </a:rPr>
+                        <a:t>✅</a:t>
+                      </a:r>
+                      <a:endParaRPr lang="en-US" dirty="0"/>
+                    </a:p>
+                  </a:txBody>
+                  <a:tcPr anchor="ctr">
+                    <a:lnL w="12700" cap="flat" cmpd="sng" algn="ctr">
+                      <a:solidFill>
+                        <a:schemeClr val="tx1"/>
+                      </a:solidFill>
+                      <a:prstDash val="solid"/>
+                      <a:round/>
+                      <a:headEnd type="none" w="med" len="med"/>
+                      <a:tailEnd type="none" w="med" len="med"/>
+                    </a:lnL>
+                    <a:lnR w="12700" cap="flat" cmpd="sng" algn="ctr">
+                      <a:solidFill>
+                        <a:schemeClr val="tx1"/>
+                      </a:solidFill>
+                      <a:prstDash val="solid"/>
+                      <a:round/>
+                      <a:headEnd type="none" w="med" len="med"/>
+                      <a:tailEnd type="none" w="med" len="med"/>
+                    </a:lnR>
+                    <a:lnT>
+                      <a:noFill/>
+                    </a:lnT>
+                    <a:lnB w="12700" cap="flat" cmpd="sng" algn="ctr">
+                      <a:solidFill>
+                        <a:schemeClr val="tx1"/>
+                      </a:solidFill>
+                      <a:prstDash val="solid"/>
+                      <a:round/>
+                      <a:headEnd type="none" w="med" len="med"/>
+                      <a:tailEnd type="none" w="med" len="med"/>
+                    </a:lnB>
+                    <a:lnTlToBr w="12700" cmpd="sng">
+                      <a:noFill/>
+                      <a:prstDash val="solid"/>
+                    </a:lnTlToBr>
+                    <a:lnBlToTr w="12700" cmpd="sng">
+                      <a:noFill/>
+                      <a:prstDash val="solid"/>
+                    </a:lnBlToTr>
+                  </a:tcPr>
+                </a:tc>
+                <a:tc>
+                  <a:txBody>
+                    <a:bodyPr/>
+                    <a:lstStyle/>
+                    <a:p>
+                      <a:pPr algn="ctr"/>
+                      <a:r>
+                        <a:rPr lang="en-US" sz="1800" b="0" kern="1200" dirty="0">
+                          <a:solidFill>
+                            <a:schemeClr val="dk1"/>
+                          </a:solidFill>
+                          <a:effectLst/>
+                        </a:rPr>
+                        <a:t>✅</a:t>
+                      </a:r>
+                      <a:endParaRPr lang="en-US" dirty="0"/>
+                    </a:p>
+                  </a:txBody>
+                  <a:tcPr anchor="ctr">
+                    <a:lnL w="12700" cap="flat" cmpd="sng" algn="ctr">
+                      <a:solidFill>
+                        <a:schemeClr val="tx1"/>
+                      </a:solidFill>
+                      <a:prstDash val="solid"/>
+                      <a:round/>
+                      <a:headEnd type="none" w="med" len="med"/>
+                      <a:tailEnd type="none" w="med" len="med"/>
+                    </a:lnL>
+                    <a:lnR w="12700" cap="flat" cmpd="sng" algn="ctr">
+                      <a:solidFill>
+                        <a:schemeClr val="tx1"/>
+                      </a:solidFill>
+                      <a:prstDash val="solid"/>
+                      <a:round/>
+                      <a:headEnd type="none" w="med" len="med"/>
+                      <a:tailEnd type="none" w="med" len="med"/>
+                    </a:lnR>
+                    <a:lnB w="12700" cap="flat" cmpd="sng" algn="ctr">
+                      <a:solidFill>
+                        <a:schemeClr val="tx1"/>
+                      </a:solidFill>
+                      <a:prstDash val="solid"/>
+                      <a:round/>
+                      <a:headEnd type="none" w="med" len="med"/>
+                      <a:tailEnd type="none" w="med" len="med"/>
+                    </a:lnB>
+                  </a:tcPr>
+                </a:tc>
+                <a:tc>
+                  <a:txBody>
+                    <a:bodyPr/>
+                    <a:lstStyle/>
+                    <a:p>
+                      <a:pPr algn="ctr"/>
+                      <a:r>
+                        <a:rPr lang="en-US" sz="1800" b="0" kern="1200" dirty="0">
+                          <a:solidFill>
+                            <a:schemeClr val="dk1"/>
+                          </a:solidFill>
+                          <a:effectLst/>
+                        </a:rPr>
+                        <a:t>✅</a:t>
+                      </a:r>
+                      <a:endParaRPr lang="en-US" dirty="0"/>
+                    </a:p>
+                  </a:txBody>
+                  <a:tcPr anchor="ctr">
+                    <a:lnL w="12700" cap="flat" cmpd="sng" algn="ctr">
+                      <a:solidFill>
+                        <a:schemeClr val="tx1"/>
+                      </a:solidFill>
+                      <a:prstDash val="solid"/>
+                      <a:round/>
+                      <a:headEnd type="none" w="med" len="med"/>
+                      <a:tailEnd type="none" w="med" len="med"/>
+                    </a:lnL>
+                    <a:lnR w="12700" cap="flat" cmpd="sng" algn="ctr">
+                      <a:solidFill>
+                        <a:schemeClr val="tx1"/>
+                      </a:solidFill>
+                      <a:prstDash val="solid"/>
+                      <a:round/>
+                      <a:headEnd type="none" w="med" len="med"/>
+                      <a:tailEnd type="none" w="med" len="med"/>
+                    </a:lnR>
+                    <a:lnB w="12700" cap="flat" cmpd="sng" algn="ctr">
+                      <a:solidFill>
+                        <a:schemeClr val="tx1"/>
+                      </a:solidFill>
+                      <a:prstDash val="solid"/>
+                      <a:round/>
+                      <a:headEnd type="none" w="med" len="med"/>
+                      <a:tailEnd type="none" w="med" len="med"/>
+                    </a:lnB>
+                  </a:tcPr>
+                </a:tc>
+                <a:tc>
+                  <a:txBody>
+                    <a:bodyPr/>
+                    <a:lstStyle/>
+                    <a:p>
+                      <a:pPr algn="ctr"/>
+                      <a:r>
+                        <a:rPr lang="en-US" sz="1800" b="0" kern="1200" dirty="0">
+                          <a:solidFill>
+                            <a:schemeClr val="dk1"/>
+                          </a:solidFill>
+                          <a:effectLst/>
+                        </a:rPr>
+                        <a:t>✅</a:t>
+                      </a:r>
+                      <a:endParaRPr lang="en-US" dirty="0"/>
+                    </a:p>
+                  </a:txBody>
+                  <a:tcPr anchor="ctr">
+                    <a:lnL w="12700" cap="flat" cmpd="sng" algn="ctr">
+                      <a:solidFill>
+                        <a:schemeClr val="tx1"/>
+                      </a:solidFill>
+                      <a:prstDash val="solid"/>
+                      <a:round/>
+                      <a:headEnd type="none" w="med" len="med"/>
+                      <a:tailEnd type="none" w="med" len="med"/>
+                    </a:lnL>
+                    <a:lnB w="12700" cap="flat" cmpd="sng" algn="ctr">
+                      <a:solidFill>
+                        <a:schemeClr val="tx1"/>
+                      </a:solidFill>
+                      <a:prstDash val="solid"/>
+                      <a:round/>
+                      <a:headEnd type="none" w="med" len="med"/>
+                      <a:tailEnd type="none" w="med" len="med"/>
+                    </a:lnB>
+                  </a:tcPr>
+                </a:tc>
+                <a:extLst>
+                  <a:ext uri="{0D108BD9-81ED-4DB2-BD59-A6C34878D82A}">
+                    <a16:rowId xmlns:a16="http://schemas.microsoft.com/office/drawing/2014/main" val="3582447491"/>
+                  </a:ext>
+                </a:extLst>
+              </a:tr>
+              <a:tr h="496663">
+                <a:tc>
+                  <a:txBody>
+                    <a:bodyPr/>
+                    <a:lstStyle/>
+                    <a:p>
+                      <a:pPr marL="0" marR="0" lvl="0" indent="0" algn="r" defTabSz="914400" rtl="0" eaLnBrk="1" fontAlgn="auto" latinLnBrk="0" hangingPunct="1">
+                        <a:lnSpc>
+                          <a:spcPct val="100000"/>
+                        </a:lnSpc>
+                        <a:spcBef>
+                          <a:spcPts val="0"/>
+                        </a:spcBef>
+                        <a:spcAft>
+                          <a:spcPts val="0"/>
+                        </a:spcAft>
+                        <a:buClrTx/>
+                        <a:buSzTx/>
+                        <a:buFontTx/>
+                        <a:buNone/>
+                        <a:tabLst/>
+                        <a:defRPr/>
+                      </a:pPr>
+                      <a:r>
+                        <a:rPr lang="en-US" sz="1800" dirty="0"/>
+                        <a:t>Online Surveys</a:t>
+                      </a:r>
+                      <a:endParaRPr lang="en-US" dirty="0"/>
+                    </a:p>
+                  </a:txBody>
+                  <a:tcPr anchor="ctr">
+                    <a:lnR w="12700" cap="flat" cmpd="sng" algn="ctr">
+                      <a:solidFill>
+                        <a:schemeClr val="tx1"/>
+                      </a:solidFill>
+                      <a:prstDash val="solid"/>
+                      <a:round/>
+                      <a:headEnd type="none" w="med" len="med"/>
+                      <a:tailEnd type="none" w="med" len="med"/>
+                    </a:lnR>
+                    <a:lnT w="12700" cap="flat" cmpd="sng" algn="ctr">
+                      <a:solidFill>
+                        <a:schemeClr val="tx1"/>
+                      </a:solidFill>
+                      <a:prstDash val="solid"/>
+                      <a:round/>
+                      <a:headEnd type="none" w="med" len="med"/>
+                      <a:tailEnd type="none" w="med" len="med"/>
+                    </a:lnT>
+                    <a:lnB w="12700" cap="flat" cmpd="sng" algn="ctr">
+                      <a:solidFill>
+                        <a:schemeClr val="tx1"/>
+                      </a:solidFill>
+                      <a:prstDash val="solid"/>
+                      <a:round/>
+                      <a:headEnd type="none" w="med" len="med"/>
+                      <a:tailEnd type="none" w="med" len="med"/>
+                    </a:lnB>
+                  </a:tcPr>
+                </a:tc>
+                <a:tc>
+                  <a:txBody>
+                    <a:bodyPr/>
+                    <a:lstStyle/>
+                    <a:p>
+                      <a:pPr marL="0" marR="0" lvl="0" indent="0" algn="ctr" defTabSz="914400" rtl="0" eaLnBrk="1" fontAlgn="auto" latinLnBrk="0" hangingPunct="1">
+                        <a:lnSpc>
+                          <a:spcPct val="100000"/>
+                        </a:lnSpc>
+                        <a:spcBef>
+                          <a:spcPts val="0"/>
+                        </a:spcBef>
+                        <a:spcAft>
+                          <a:spcPts val="0"/>
+                        </a:spcAft>
+                        <a:buClrTx/>
+                        <a:buSzTx/>
+                        <a:buFontTx/>
+                        <a:buNone/>
+                        <a:tabLst/>
+                        <a:defRPr/>
+                      </a:pPr>
+                      <a:r>
+                        <a:rPr lang="en-US" sz="1800" b="0" kern="1200" dirty="0">
+                          <a:solidFill>
+                            <a:schemeClr val="dk1"/>
+                          </a:solidFill>
+                          <a:effectLst/>
+                        </a:rPr>
+                        <a:t>✅</a:t>
+                      </a:r>
+                      <a:endParaRPr lang="en-US" dirty="0"/>
+                    </a:p>
+                  </a:txBody>
+                  <a:tcPr anchor="ctr">
+                    <a:lnL w="12700" cap="flat" cmpd="sng" algn="ctr">
+                      <a:solidFill>
+                        <a:schemeClr val="tx1"/>
+                      </a:solidFill>
+                      <a:prstDash val="solid"/>
+                      <a:round/>
+                      <a:headEnd type="none" w="med" len="med"/>
+                      <a:tailEnd type="none" w="med" len="med"/>
+                    </a:lnL>
+                    <a:lnR w="12700" cap="flat" cmpd="sng" algn="ctr">
+                      <a:solidFill>
+                        <a:schemeClr val="tx1"/>
+                      </a:solidFill>
+                      <a:prstDash val="solid"/>
+                      <a:round/>
+                      <a:headEnd type="none" w="med" len="med"/>
+                      <a:tailEnd type="none" w="med" len="med"/>
+                    </a:lnR>
+                    <a:lnT w="12700" cap="flat" cmpd="sng" algn="ctr">
+                      <a:solidFill>
+                        <a:schemeClr val="tx1"/>
+                      </a:solidFill>
+                      <a:prstDash val="solid"/>
+                      <a:round/>
+                      <a:headEnd type="none" w="med" len="med"/>
+                      <a:tailEnd type="none" w="med" len="med"/>
+                    </a:lnT>
+                    <a:lnB w="12700" cap="flat" cmpd="sng" algn="ctr">
+                      <a:solidFill>
+                        <a:schemeClr val="tx1"/>
+                      </a:solidFill>
+                      <a:prstDash val="solid"/>
+                      <a:round/>
+                      <a:headEnd type="none" w="med" len="med"/>
+                      <a:tailEnd type="none" w="med" len="med"/>
+                    </a:lnB>
+                    <a:lnTlToBr w="12700" cmpd="sng">
+                      <a:noFill/>
+                      <a:prstDash val="solid"/>
+                    </a:lnTlToBr>
+                    <a:lnBlToTr w="12700" cmpd="sng">
+                      <a:noFill/>
+                      <a:prstDash val="solid"/>
+                    </a:lnBlToTr>
+                  </a:tcPr>
+                </a:tc>
+                <a:tc>
+                  <a:txBody>
+                    <a:bodyPr/>
+                    <a:lstStyle/>
+                    <a:p>
+                      <a:pPr algn="ctr"/>
+                      <a:endParaRPr lang="en-US" dirty="0"/>
+                    </a:p>
+                  </a:txBody>
+                  <a:tcPr anchor="ctr">
+                    <a:lnL w="12700" cap="flat" cmpd="sng" algn="ctr">
+                      <a:solidFill>
+                        <a:schemeClr val="tx1"/>
+                      </a:solidFill>
+                      <a:prstDash val="solid"/>
+                      <a:round/>
+                      <a:headEnd type="none" w="med" len="med"/>
+                      <a:tailEnd type="none" w="med" len="med"/>
+                    </a:lnL>
+                    <a:lnR w="12700" cap="flat" cmpd="sng" algn="ctr">
+                      <a:solidFill>
+                        <a:schemeClr val="tx1"/>
+                      </a:solidFill>
+                      <a:prstDash val="solid"/>
+                      <a:round/>
+                      <a:headEnd type="none" w="med" len="med"/>
+                      <a:tailEnd type="none" w="med" len="med"/>
+                    </a:lnR>
+                    <a:lnT w="12700" cap="flat" cmpd="sng" algn="ctr">
+                      <a:solidFill>
+                        <a:schemeClr val="tx1"/>
+                      </a:solidFill>
+                      <a:prstDash val="solid"/>
+                      <a:round/>
+                      <a:headEnd type="none" w="med" len="med"/>
+                      <a:tailEnd type="none" w="med" len="med"/>
+                    </a:lnT>
+                    <a:lnB w="12700" cap="flat" cmpd="sng" algn="ctr">
+                      <a:solidFill>
+                        <a:schemeClr val="tx1"/>
+                      </a:solidFill>
+                      <a:prstDash val="solid"/>
+                      <a:round/>
+                      <a:headEnd type="none" w="med" len="med"/>
+                      <a:tailEnd type="none" w="med" len="med"/>
+                    </a:lnB>
+                  </a:tcPr>
+                </a:tc>
+                <a:tc>
+                  <a:txBody>
+                    <a:bodyPr/>
+                    <a:lstStyle/>
+                    <a:p>
+                      <a:pPr algn="ctr"/>
+                      <a:endParaRPr lang="en-US" dirty="0"/>
+                    </a:p>
+                  </a:txBody>
+                  <a:tcPr anchor="ctr">
+                    <a:lnL w="12700" cap="flat" cmpd="sng" algn="ctr">
+                      <a:solidFill>
+                        <a:schemeClr val="tx1"/>
+                      </a:solidFill>
+                      <a:prstDash val="solid"/>
+                      <a:round/>
+                      <a:headEnd type="none" w="med" len="med"/>
+                      <a:tailEnd type="none" w="med" len="med"/>
+                    </a:lnL>
+                    <a:lnR w="12700" cap="flat" cmpd="sng" algn="ctr">
+                      <a:solidFill>
+                        <a:schemeClr val="tx1"/>
+                      </a:solidFill>
+                      <a:prstDash val="solid"/>
+                      <a:round/>
+                      <a:headEnd type="none" w="med" len="med"/>
+                      <a:tailEnd type="none" w="med" len="med"/>
+                    </a:lnR>
+                    <a:lnT w="12700" cap="flat" cmpd="sng" algn="ctr">
+                      <a:solidFill>
+                        <a:schemeClr val="tx1"/>
+                      </a:solidFill>
+                      <a:prstDash val="solid"/>
+                      <a:round/>
+                      <a:headEnd type="none" w="med" len="med"/>
+                      <a:tailEnd type="none" w="med" len="med"/>
+                    </a:lnT>
+                    <a:lnB w="12700" cap="flat" cmpd="sng" algn="ctr">
+                      <a:solidFill>
+                        <a:schemeClr val="tx1"/>
+                      </a:solidFill>
+                      <a:prstDash val="solid"/>
+                      <a:round/>
+                      <a:headEnd type="none" w="med" len="med"/>
+                      <a:tailEnd type="none" w="med" len="med"/>
+                    </a:lnB>
+                  </a:tcPr>
+                </a:tc>
+                <a:tc>
+                  <a:txBody>
+                    <a:bodyPr/>
+                    <a:lstStyle/>
+                    <a:p>
+                      <a:pPr algn="ctr"/>
+                      <a:endParaRPr lang="en-US" dirty="0"/>
+                    </a:p>
+                  </a:txBody>
+                  <a:tcPr anchor="ctr">
+                    <a:lnL w="12700" cap="flat" cmpd="sng" algn="ctr">
+                      <a:solidFill>
+                        <a:schemeClr val="tx1"/>
+                      </a:solidFill>
+                      <a:prstDash val="solid"/>
+                      <a:round/>
+                      <a:headEnd type="none" w="med" len="med"/>
+                      <a:tailEnd type="none" w="med" len="med"/>
+                    </a:lnL>
+                    <a:lnT w="12700" cap="flat" cmpd="sng" algn="ctr">
+                      <a:solidFill>
+                        <a:schemeClr val="tx1"/>
+                      </a:solidFill>
+                      <a:prstDash val="solid"/>
+                      <a:round/>
+                      <a:headEnd type="none" w="med" len="med"/>
+                      <a:tailEnd type="none" w="med" len="med"/>
+                    </a:lnT>
+                    <a:lnB w="12700" cap="flat" cmpd="sng" algn="ctr">
+                      <a:solidFill>
+                        <a:schemeClr val="tx1"/>
+                      </a:solidFill>
+                      <a:prstDash val="solid"/>
+                      <a:round/>
+                      <a:headEnd type="none" w="med" len="med"/>
+                      <a:tailEnd type="none" w="med" len="med"/>
+                    </a:lnB>
+                  </a:tcPr>
+                </a:tc>
+                <a:extLst>
+                  <a:ext uri="{0D108BD9-81ED-4DB2-BD59-A6C34878D82A}">
+                    <a16:rowId xmlns:a16="http://schemas.microsoft.com/office/drawing/2014/main" val="2693766430"/>
+                  </a:ext>
+                </a:extLst>
+              </a:tr>
+              <a:tr h="489859">
+                <a:tc>
+                  <a:txBody>
+                    <a:bodyPr/>
+                    <a:lstStyle/>
+                    <a:p>
+                      <a:pPr marL="0" marR="0" lvl="0" indent="0" algn="r" defTabSz="914400" rtl="0" eaLnBrk="1" fontAlgn="auto" latinLnBrk="0" hangingPunct="1">
+                        <a:lnSpc>
+                          <a:spcPct val="100000"/>
+                        </a:lnSpc>
+                        <a:spcBef>
+                          <a:spcPts val="0"/>
+                        </a:spcBef>
+                        <a:spcAft>
+                          <a:spcPts val="0"/>
+                        </a:spcAft>
+                        <a:buClrTx/>
+                        <a:buSzTx/>
+                        <a:buFontTx/>
+                        <a:buNone/>
+                        <a:tabLst/>
+                        <a:defRPr/>
+                      </a:pPr>
+                      <a:r>
+                        <a:rPr lang="en-US" sz="1800" dirty="0"/>
+                        <a:t>Model Estimation</a:t>
+                      </a:r>
+                      <a:endParaRPr lang="en-US" sz="1800" dirty="0">
+                        <a:latin typeface="Fira Sans Condensed Medium" panose="020B0603050000020004" pitchFamily="34" charset="0"/>
+                      </a:endParaRPr>
+                    </a:p>
+                  </a:txBody>
+                  <a:tcPr anchor="ctr">
+                    <a:lnR w="12700" cap="flat" cmpd="sng" algn="ctr">
+                      <a:solidFill>
+                        <a:schemeClr val="tx1"/>
+                      </a:solidFill>
+                      <a:prstDash val="solid"/>
+                      <a:round/>
+                      <a:headEnd type="none" w="med" len="med"/>
+                      <a:tailEnd type="none" w="med" len="med"/>
+                    </a:lnR>
+                    <a:lnT w="12700" cap="flat" cmpd="sng" algn="ctr">
+                      <a:solidFill>
+                        <a:schemeClr val="tx1"/>
+                      </a:solidFill>
+                      <a:prstDash val="solid"/>
+                      <a:round/>
+                      <a:headEnd type="none" w="med" len="med"/>
+                      <a:tailEnd type="none" w="med" len="med"/>
+                    </a:lnT>
+                  </a:tcPr>
+                </a:tc>
+                <a:tc>
+                  <a:txBody>
+                    <a:bodyPr/>
+                    <a:lstStyle/>
+                    <a:p>
+                      <a:pPr algn="ctr"/>
+                      <a:r>
+                        <a:rPr lang="en-US" sz="1800" b="0" kern="1200" dirty="0">
+                          <a:solidFill>
+                            <a:schemeClr val="dk1"/>
+                          </a:solidFill>
+                          <a:effectLst/>
+                        </a:rPr>
+                        <a:t>✅</a:t>
+                      </a:r>
+                      <a:endParaRPr lang="en-US" dirty="0"/>
+                    </a:p>
+                  </a:txBody>
+                  <a:tcPr anchor="ctr">
+                    <a:lnL w="12700" cap="flat" cmpd="sng" algn="ctr">
+                      <a:solidFill>
+                        <a:schemeClr val="tx1"/>
+                      </a:solidFill>
+                      <a:prstDash val="solid"/>
+                      <a:round/>
+                      <a:headEnd type="none" w="med" len="med"/>
+                      <a:tailEnd type="none" w="med" len="med"/>
+                    </a:lnL>
+                    <a:lnR w="12700" cap="flat" cmpd="sng" algn="ctr">
+                      <a:solidFill>
+                        <a:schemeClr val="tx1"/>
+                      </a:solidFill>
+                      <a:prstDash val="solid"/>
+                      <a:round/>
+                      <a:headEnd type="none" w="med" len="med"/>
+                      <a:tailEnd type="none" w="med" len="med"/>
+                    </a:lnR>
+                    <a:lnT w="12700" cap="flat" cmpd="sng" algn="ctr">
+                      <a:solidFill>
+                        <a:schemeClr val="tx1"/>
+                      </a:solidFill>
+                      <a:prstDash val="solid"/>
+                      <a:round/>
+                      <a:headEnd type="none" w="med" len="med"/>
+                      <a:tailEnd type="none" w="med" len="med"/>
+                    </a:lnT>
+                    <a:lnB>
+                      <a:noFill/>
+                    </a:lnB>
+                    <a:lnTlToBr w="12700" cmpd="sng">
+                      <a:noFill/>
+                      <a:prstDash val="solid"/>
+                    </a:lnTlToBr>
+                    <a:lnBlToTr w="12700" cmpd="sng">
+                      <a:noFill/>
+                      <a:prstDash val="solid"/>
+                    </a:lnBlToTr>
+                  </a:tcPr>
+                </a:tc>
+                <a:tc>
+                  <a:txBody>
+                    <a:bodyPr/>
+                    <a:lstStyle/>
+                    <a:p>
+                      <a:pPr algn="ctr"/>
+                      <a:r>
+                        <a:rPr lang="en-US" sz="1800" b="0" kern="1200" dirty="0">
+                          <a:solidFill>
+                            <a:schemeClr val="dk1"/>
+                          </a:solidFill>
+                          <a:effectLst/>
+                        </a:rPr>
+                        <a:t>✅</a:t>
+                      </a:r>
+                      <a:endParaRPr lang="en-US" dirty="0"/>
+                    </a:p>
+                  </a:txBody>
+                  <a:tcPr anchor="ctr">
+                    <a:lnL w="12700" cap="flat" cmpd="sng" algn="ctr">
+                      <a:solidFill>
+                        <a:schemeClr val="tx1"/>
+                      </a:solidFill>
+                      <a:prstDash val="solid"/>
+                      <a:round/>
+                      <a:headEnd type="none" w="med" len="med"/>
+                      <a:tailEnd type="none" w="med" len="med"/>
+                    </a:lnL>
+                    <a:lnR w="12700" cap="flat" cmpd="sng" algn="ctr">
+                      <a:solidFill>
+                        <a:schemeClr val="tx1"/>
+                      </a:solidFill>
+                      <a:prstDash val="solid"/>
+                      <a:round/>
+                      <a:headEnd type="none" w="med" len="med"/>
+                      <a:tailEnd type="none" w="med" len="med"/>
+                    </a:lnR>
+                    <a:lnT w="12700" cap="flat" cmpd="sng" algn="ctr">
+                      <a:solidFill>
+                        <a:schemeClr val="tx1"/>
+                      </a:solidFill>
+                      <a:prstDash val="solid"/>
+                      <a:round/>
+                      <a:headEnd type="none" w="med" len="med"/>
+                      <a:tailEnd type="none" w="med" len="med"/>
+                    </a:lnT>
+                  </a:tcPr>
+                </a:tc>
+                <a:tc>
+                  <a:txBody>
+                    <a:bodyPr/>
+                    <a:lstStyle/>
+                    <a:p>
+                      <a:pPr algn="ctr"/>
+                      <a:r>
+                        <a:rPr lang="en-US" sz="1800" b="0" kern="1200" dirty="0">
+                          <a:solidFill>
+                            <a:schemeClr val="dk1"/>
+                          </a:solidFill>
+                          <a:effectLst/>
+                        </a:rPr>
+                        <a:t>✅</a:t>
+                      </a:r>
+                      <a:endParaRPr lang="en-US" dirty="0"/>
+                    </a:p>
+                  </a:txBody>
+                  <a:tcPr anchor="ctr">
+                    <a:lnL w="12700" cap="flat" cmpd="sng" algn="ctr">
+                      <a:solidFill>
+                        <a:schemeClr val="tx1"/>
+                      </a:solidFill>
+                      <a:prstDash val="solid"/>
+                      <a:round/>
+                      <a:headEnd type="none" w="med" len="med"/>
+                      <a:tailEnd type="none" w="med" len="med"/>
+                    </a:lnL>
+                    <a:lnR w="12700" cap="flat" cmpd="sng" algn="ctr">
+                      <a:solidFill>
+                        <a:schemeClr val="tx1"/>
+                      </a:solidFill>
+                      <a:prstDash val="solid"/>
+                      <a:round/>
+                      <a:headEnd type="none" w="med" len="med"/>
+                      <a:tailEnd type="none" w="med" len="med"/>
+                    </a:lnR>
+                    <a:lnT w="12700" cap="flat" cmpd="sng" algn="ctr">
+                      <a:solidFill>
+                        <a:schemeClr val="tx1"/>
+                      </a:solidFill>
+                      <a:prstDash val="solid"/>
+                      <a:round/>
+                      <a:headEnd type="none" w="med" len="med"/>
+                      <a:tailEnd type="none" w="med" len="med"/>
+                    </a:lnT>
+                  </a:tcPr>
+                </a:tc>
+                <a:tc>
+                  <a:txBody>
+                    <a:bodyPr/>
+                    <a:lstStyle/>
+                    <a:p>
+                      <a:pPr algn="ctr"/>
+                      <a:endParaRPr lang="en-US" dirty="0"/>
+                    </a:p>
+                  </a:txBody>
+                  <a:tcPr anchor="ctr">
+                    <a:lnL w="12700" cap="flat" cmpd="sng" algn="ctr">
+                      <a:solidFill>
+                        <a:schemeClr val="tx1"/>
+                      </a:solidFill>
+                      <a:prstDash val="solid"/>
+                      <a:round/>
+                      <a:headEnd type="none" w="med" len="med"/>
+                      <a:tailEnd type="none" w="med" len="med"/>
+                    </a:lnL>
+                    <a:lnT w="12700" cap="flat" cmpd="sng" algn="ctr">
+                      <a:solidFill>
+                        <a:schemeClr val="tx1"/>
+                      </a:solidFill>
+                      <a:prstDash val="solid"/>
+                      <a:round/>
+                      <a:headEnd type="none" w="med" len="med"/>
+                      <a:tailEnd type="none" w="med" len="med"/>
+                    </a:lnT>
+                  </a:tcPr>
+                </a:tc>
+                <a:extLst>
+                  <a:ext uri="{0D108BD9-81ED-4DB2-BD59-A6C34878D82A}">
+                    <a16:rowId xmlns:a16="http://schemas.microsoft.com/office/drawing/2014/main" val="81536431"/>
+                  </a:ext>
+                </a:extLst>
+              </a:tr>
+            </a:tbl>
+          </a:graphicData>
+        </a:graphic>
+      </p:graphicFrame>
+      <p:pic>
+        <p:nvPicPr>
+          <p:cNvPr id="6" name="Picture 5" descr="A black background with white text&#10;&#10;Description automatically generated with low confidence">
+            <a:extLst>
+              <a:ext uri="{FF2B5EF4-FFF2-40B4-BE49-F238E27FC236}">
+                <a16:creationId xmlns:a16="http://schemas.microsoft.com/office/drawing/2014/main" id="{DC3D11A6-24FE-9131-6B2A-71F4AFCF6322}"/>
+              </a:ext>
+            </a:extLst>
+          </p:cNvPr>
+          <p:cNvPicPr>
+            <a:picLocks noChangeAspect="1"/>
+          </p:cNvPicPr>
+          <p:nvPr/>
+        </p:nvPicPr>
+        <p:blipFill>
+          <a:blip r:embed="rId2"/>
+          <a:stretch>
+            <a:fillRect/>
+          </a:stretch>
+        </p:blipFill>
+        <p:spPr>
+          <a:xfrm>
+            <a:off x="4880518" y="871827"/>
+            <a:ext cx="2748237" cy="726123"/>
+          </a:xfrm>
+          <a:prstGeom prst="rect">
+            <a:avLst/>
+          </a:prstGeom>
+        </p:spPr>
+      </p:pic>
+      <p:pic>
+        <p:nvPicPr>
+          <p:cNvPr id="1028" name="Picture 4" descr="Statistical software for data science | Stata">
+            <a:extLst>
+              <a:ext uri="{FF2B5EF4-FFF2-40B4-BE49-F238E27FC236}">
+                <a16:creationId xmlns:a16="http://schemas.microsoft.com/office/drawing/2014/main" id="{7DBE03CB-BABA-CA49-853C-49E8B77E040B}"/>
+              </a:ext>
+            </a:extLst>
+          </p:cNvPr>
+          <p:cNvPicPr>
+            <a:picLocks noChangeAspect="1" noChangeArrowheads="1"/>
+          </p:cNvPicPr>
+          <p:nvPr/>
+        </p:nvPicPr>
+        <p:blipFill>
+          <a:blip r:embed="rId3">
+            <a:extLst>
+              <a:ext uri="{28A0092B-C50C-407E-A947-70E740481C1C}">
+                <a14:useLocalDpi xmlns:a14="http://schemas.microsoft.com/office/drawing/2010/main" val="0"/>
+              </a:ext>
+            </a:extLst>
+          </a:blip>
+          <a:srcRect/>
+          <a:stretch>
+            <a:fillRect/>
+          </a:stretch>
+        </p:blipFill>
+        <p:spPr bwMode="auto">
+          <a:xfrm>
+            <a:off x="7784076" y="1084807"/>
+            <a:ext cx="2148239" cy="490110"/>
+          </a:xfrm>
+          <a:prstGeom prst="rect">
+            <a:avLst/>
+          </a:prstGeom>
+          <a:noFill/>
+          <a:extLst>
+            <a:ext uri="{909E8E84-426E-40DD-AFC4-6F175D3DCCD1}">
+              <a14:hiddenFill xmlns:a14="http://schemas.microsoft.com/office/drawing/2010/main">
+                <a:solidFill>
+                  <a:srgbClr val="FFFFFF"/>
+                </a:solidFill>
+              </a14:hiddenFill>
+            </a:ext>
+          </a:extLst>
+        </p:spPr>
+      </p:pic>
+      <p:pic>
+        <p:nvPicPr>
+          <p:cNvPr id="7" name="Picture 2" descr="Sawtooth Software Inc Client Reviews | Clutch.co">
+            <a:extLst>
+              <a:ext uri="{FF2B5EF4-FFF2-40B4-BE49-F238E27FC236}">
+                <a16:creationId xmlns:a16="http://schemas.microsoft.com/office/drawing/2014/main" id="{4B933197-CE42-6FA1-A6ED-652F90B43BD9}"/>
+              </a:ext>
+            </a:extLst>
+          </p:cNvPr>
+          <p:cNvPicPr>
+            <a:picLocks noChangeAspect="1" noChangeArrowheads="1"/>
+          </p:cNvPicPr>
+          <p:nvPr/>
+        </p:nvPicPr>
+        <p:blipFill>
+          <a:blip r:embed="rId4">
+            <a:extLst>
+              <a:ext uri="{28A0092B-C50C-407E-A947-70E740481C1C}">
+                <a14:useLocalDpi xmlns:a14="http://schemas.microsoft.com/office/drawing/2010/main" val="0"/>
+              </a:ext>
+            </a:extLst>
+          </a:blip>
+          <a:srcRect/>
+          <a:stretch>
+            <a:fillRect/>
+          </a:stretch>
+        </p:blipFill>
+        <p:spPr bwMode="auto">
+          <a:xfrm>
+            <a:off x="2784352" y="548160"/>
+            <a:ext cx="1816539" cy="1816539"/>
+          </a:xfrm>
+          <a:prstGeom prst="rect">
+            <a:avLst/>
+          </a:prstGeom>
+          <a:noFill/>
+          <a:extLst>
+            <a:ext uri="{909E8E84-426E-40DD-AFC4-6F175D3DCCD1}">
+              <a14:hiddenFill xmlns:a14="http://schemas.microsoft.com/office/drawing/2010/main">
+                <a:solidFill>
+                  <a:srgbClr val="FFFFFF"/>
+                </a:solidFill>
+              </a14:hiddenFill>
+            </a:ext>
+          </a:extLst>
+        </p:spPr>
+      </p:pic>
+      <p:pic>
+        <p:nvPicPr>
+          <p:cNvPr id="16" name="Graphic 15">
+            <a:extLst>
+              <a:ext uri="{FF2B5EF4-FFF2-40B4-BE49-F238E27FC236}">
+                <a16:creationId xmlns:a16="http://schemas.microsoft.com/office/drawing/2014/main" id="{1CE45DDB-29D0-A532-BFDA-F1C5DFFCE45C}"/>
+              </a:ext>
+            </a:extLst>
+          </p:cNvPr>
+          <p:cNvPicPr>
+            <a:picLocks noChangeAspect="1"/>
+          </p:cNvPicPr>
+          <p:nvPr/>
+        </p:nvPicPr>
+        <p:blipFill>
+          <a:blip r:embed="rId5">
+            <a:extLst>
+              <a:ext uri="{96DAC541-7B7A-43D3-8B79-37D633B846F1}">
+                <asvg:svgBlip xmlns:asvg="http://schemas.microsoft.com/office/drawing/2016/SVG/main" r:embed="rId6"/>
+              </a:ext>
+            </a:extLst>
+          </a:blip>
+          <a:stretch>
+            <a:fillRect/>
+          </a:stretch>
+        </p:blipFill>
+        <p:spPr>
+          <a:xfrm>
+            <a:off x="10360595" y="758638"/>
+            <a:ext cx="1320800" cy="952500"/>
+          </a:xfrm>
+          <a:prstGeom prst="rect">
+            <a:avLst/>
+          </a:prstGeom>
+        </p:spPr>
+      </p:pic>
     </p:spTree>
     <p:extLst>
       <p:ext uri="{BB962C8B-B14F-4D97-AF65-F5344CB8AC3E}">

--- a/parts/introduction/images/figs.pptx
+++ b/parts/introduction/images/figs.pptx
@@ -104,11 +104,6 @@
       </a:defRPr>
     </a:lvl9pPr>
   </p:defaultTextStyle>
-  <p:extLst>
-    <p:ext uri="{EFAFB233-063F-42B5-8137-9DF3F51BA10A}">
-      <p15:sldGuideLst xmlns:p15="http://schemas.microsoft.com/office/powerpoint/2012/main"/>
-    </p:ext>
-  </p:extLst>
 </p:presentation>
 </file>
 
@@ -3326,1014 +3321,6 @@
           <a:chExt cx="0" cy="0"/>
         </a:xfrm>
       </p:grpSpPr>
-      <p:graphicFrame>
-        <p:nvGraphicFramePr>
-          <p:cNvPr id="10" name="Table 10">
-            <a:extLst>
-              <a:ext uri="{FF2B5EF4-FFF2-40B4-BE49-F238E27FC236}">
-                <a16:creationId xmlns:a16="http://schemas.microsoft.com/office/drawing/2014/main" id="{28CBDE55-BEEE-5465-339A-0238D2A6D8D5}"/>
-              </a:ext>
-            </a:extLst>
-          </p:cNvPr>
-          <p:cNvGraphicFramePr>
-            <a:graphicFrameLocks noGrp="1"/>
-          </p:cNvGraphicFramePr>
-          <p:nvPr>
-            <p:extLst>
-              <p:ext uri="{D42A27DB-BD31-4B8C-83A1-F6EECF244321}">
-                <p14:modId xmlns:p14="http://schemas.microsoft.com/office/powerpoint/2010/main" val="685734518"/>
-              </p:ext>
-            </p:extLst>
-          </p:nvPr>
-        </p:nvGraphicFramePr>
-        <p:xfrm>
-          <a:off x="525519" y="2416150"/>
-          <a:ext cx="11155876" cy="1483185"/>
-        </p:xfrm>
-        <a:graphic>
-          <a:graphicData uri="http://schemas.openxmlformats.org/drawingml/2006/table">
-            <a:tbl>
-              <a:tblPr firstRow="1" bandRow="1">
-                <a:tableStyleId>{2D5ABB26-0587-4C30-8999-92F81FD0307C}</a:tableStyleId>
-              </a:tblPr>
-              <a:tblGrid>
-                <a:gridCol w="2270234">
-                  <a:extLst>
-                    <a:ext uri="{9D8B030D-6E8A-4147-A177-3AD203B41FA5}">
-                      <a16:colId xmlns:a16="http://schemas.microsoft.com/office/drawing/2014/main" val="3092479153"/>
-                    </a:ext>
-                  </a:extLst>
-                </a:gridCol>
-                <a:gridCol w="1807780">
-                  <a:extLst>
-                    <a:ext uri="{9D8B030D-6E8A-4147-A177-3AD203B41FA5}">
-                      <a16:colId xmlns:a16="http://schemas.microsoft.com/office/drawing/2014/main" val="93458892"/>
-                    </a:ext>
-                  </a:extLst>
-                </a:gridCol>
-                <a:gridCol w="3352800">
-                  <a:extLst>
-                    <a:ext uri="{9D8B030D-6E8A-4147-A177-3AD203B41FA5}">
-                      <a16:colId xmlns:a16="http://schemas.microsoft.com/office/drawing/2014/main" val="1334118737"/>
-                    </a:ext>
-                  </a:extLst>
-                </a:gridCol>
-                <a:gridCol w="1849820">
-                  <a:extLst>
-                    <a:ext uri="{9D8B030D-6E8A-4147-A177-3AD203B41FA5}">
-                      <a16:colId xmlns:a16="http://schemas.microsoft.com/office/drawing/2014/main" val="2639707236"/>
-                    </a:ext>
-                  </a:extLst>
-                </a:gridCol>
-                <a:gridCol w="1875242">
-                  <a:extLst>
-                    <a:ext uri="{9D8B030D-6E8A-4147-A177-3AD203B41FA5}">
-                      <a16:colId xmlns:a16="http://schemas.microsoft.com/office/drawing/2014/main" val="3376756081"/>
-                    </a:ext>
-                  </a:extLst>
-                </a:gridCol>
-              </a:tblGrid>
-              <a:tr h="496663">
-                <a:tc>
-                  <a:txBody>
-                    <a:bodyPr/>
-                    <a:lstStyle/>
-                    <a:p>
-                      <a:pPr marL="0" marR="0" lvl="0" indent="0" algn="r" defTabSz="914400" rtl="0" eaLnBrk="1" fontAlgn="auto" latinLnBrk="0" hangingPunct="1">
-                        <a:lnSpc>
-                          <a:spcPct val="100000"/>
-                        </a:lnSpc>
-                        <a:spcBef>
-                          <a:spcPts val="0"/>
-                        </a:spcBef>
-                        <a:spcAft>
-                          <a:spcPts val="0"/>
-                        </a:spcAft>
-                        <a:buClrTx/>
-                        <a:buSzTx/>
-                        <a:buFontTx/>
-                        <a:buNone/>
-                        <a:tabLst/>
-                        <a:defRPr/>
-                      </a:pPr>
-                      <a:r>
-                        <a:rPr lang="en-US" sz="1800" dirty="0"/>
-                        <a:t>Experiment Design</a:t>
-                      </a:r>
-                      <a:endParaRPr lang="en-US" dirty="0"/>
-                    </a:p>
-                  </a:txBody>
-                  <a:tcPr anchor="ctr">
-                    <a:lnR w="12700" cap="flat" cmpd="sng" algn="ctr">
-                      <a:solidFill>
-                        <a:schemeClr val="tx1"/>
-                      </a:solidFill>
-                      <a:prstDash val="solid"/>
-                      <a:round/>
-                      <a:headEnd type="none" w="med" len="med"/>
-                      <a:tailEnd type="none" w="med" len="med"/>
-                    </a:lnR>
-                    <a:lnB w="12700" cap="flat" cmpd="sng" algn="ctr">
-                      <a:solidFill>
-                        <a:schemeClr val="tx1"/>
-                      </a:solidFill>
-                      <a:prstDash val="solid"/>
-                      <a:round/>
-                      <a:headEnd type="none" w="med" len="med"/>
-                      <a:tailEnd type="none" w="med" len="med"/>
-                    </a:lnB>
-                  </a:tcPr>
-                </a:tc>
-                <a:tc>
-                  <a:txBody>
-                    <a:bodyPr/>
-                    <a:lstStyle/>
-                    <a:p>
-                      <a:pPr algn="ctr"/>
-                      <a:r>
-                        <a:rPr lang="en-US" sz="1800" b="0" kern="1200" dirty="0">
-                          <a:solidFill>
-                            <a:schemeClr val="dk1"/>
-                          </a:solidFill>
-                          <a:effectLst/>
-                        </a:rPr>
-                        <a:t>✅</a:t>
-                      </a:r>
-                      <a:endParaRPr lang="en-US" dirty="0"/>
-                    </a:p>
-                  </a:txBody>
-                  <a:tcPr anchor="ctr">
-                    <a:lnL w="12700" cap="flat" cmpd="sng" algn="ctr">
-                      <a:solidFill>
-                        <a:schemeClr val="tx1"/>
-                      </a:solidFill>
-                      <a:prstDash val="solid"/>
-                      <a:round/>
-                      <a:headEnd type="none" w="med" len="med"/>
-                      <a:tailEnd type="none" w="med" len="med"/>
-                    </a:lnL>
-                    <a:lnR w="12700" cap="flat" cmpd="sng" algn="ctr">
-                      <a:solidFill>
-                        <a:schemeClr val="tx1"/>
-                      </a:solidFill>
-                      <a:prstDash val="solid"/>
-                      <a:round/>
-                      <a:headEnd type="none" w="med" len="med"/>
-                      <a:tailEnd type="none" w="med" len="med"/>
-                    </a:lnR>
-                    <a:lnT>
-                      <a:noFill/>
-                    </a:lnT>
-                    <a:lnB w="12700" cap="flat" cmpd="sng" algn="ctr">
-                      <a:solidFill>
-                        <a:schemeClr val="tx1"/>
-                      </a:solidFill>
-                      <a:prstDash val="solid"/>
-                      <a:round/>
-                      <a:headEnd type="none" w="med" len="med"/>
-                      <a:tailEnd type="none" w="med" len="med"/>
-                    </a:lnB>
-                    <a:lnTlToBr w="12700" cmpd="sng">
-                      <a:noFill/>
-                      <a:prstDash val="solid"/>
-                    </a:lnTlToBr>
-                    <a:lnBlToTr w="12700" cmpd="sng">
-                      <a:noFill/>
-                      <a:prstDash val="solid"/>
-                    </a:lnBlToTr>
-                  </a:tcPr>
-                </a:tc>
-                <a:tc>
-                  <a:txBody>
-                    <a:bodyPr/>
-                    <a:lstStyle/>
-                    <a:p>
-                      <a:pPr algn="ctr"/>
-                      <a:r>
-                        <a:rPr lang="en-US" sz="1800" b="0" kern="1200" dirty="0">
-                          <a:solidFill>
-                            <a:schemeClr val="dk1"/>
-                          </a:solidFill>
-                          <a:effectLst/>
-                        </a:rPr>
-                        <a:t>✅</a:t>
-                      </a:r>
-                      <a:endParaRPr lang="en-US" dirty="0"/>
-                    </a:p>
-                  </a:txBody>
-                  <a:tcPr anchor="ctr">
-                    <a:lnL w="12700" cap="flat" cmpd="sng" algn="ctr">
-                      <a:solidFill>
-                        <a:schemeClr val="tx1"/>
-                      </a:solidFill>
-                      <a:prstDash val="solid"/>
-                      <a:round/>
-                      <a:headEnd type="none" w="med" len="med"/>
-                      <a:tailEnd type="none" w="med" len="med"/>
-                    </a:lnL>
-                    <a:lnR w="12700" cap="flat" cmpd="sng" algn="ctr">
-                      <a:solidFill>
-                        <a:schemeClr val="tx1"/>
-                      </a:solidFill>
-                      <a:prstDash val="solid"/>
-                      <a:round/>
-                      <a:headEnd type="none" w="med" len="med"/>
-                      <a:tailEnd type="none" w="med" len="med"/>
-                    </a:lnR>
-                    <a:lnB w="12700" cap="flat" cmpd="sng" algn="ctr">
-                      <a:solidFill>
-                        <a:schemeClr val="tx1"/>
-                      </a:solidFill>
-                      <a:prstDash val="solid"/>
-                      <a:round/>
-                      <a:headEnd type="none" w="med" len="med"/>
-                      <a:tailEnd type="none" w="med" len="med"/>
-                    </a:lnB>
-                  </a:tcPr>
-                </a:tc>
-                <a:tc>
-                  <a:txBody>
-                    <a:bodyPr/>
-                    <a:lstStyle/>
-                    <a:p>
-                      <a:pPr algn="ctr"/>
-                      <a:r>
-                        <a:rPr lang="en-US" sz="1800" b="0" kern="1200" dirty="0">
-                          <a:solidFill>
-                            <a:schemeClr val="dk1"/>
-                          </a:solidFill>
-                          <a:effectLst/>
-                        </a:rPr>
-                        <a:t>✅</a:t>
-                      </a:r>
-                      <a:endParaRPr lang="en-US" dirty="0"/>
-                    </a:p>
-                  </a:txBody>
-                  <a:tcPr anchor="ctr">
-                    <a:lnL w="12700" cap="flat" cmpd="sng" algn="ctr">
-                      <a:solidFill>
-                        <a:schemeClr val="tx1"/>
-                      </a:solidFill>
-                      <a:prstDash val="solid"/>
-                      <a:round/>
-                      <a:headEnd type="none" w="med" len="med"/>
-                      <a:tailEnd type="none" w="med" len="med"/>
-                    </a:lnL>
-                    <a:lnR w="12700" cap="flat" cmpd="sng" algn="ctr">
-                      <a:solidFill>
-                        <a:schemeClr val="tx1"/>
-                      </a:solidFill>
-                      <a:prstDash val="solid"/>
-                      <a:round/>
-                      <a:headEnd type="none" w="med" len="med"/>
-                      <a:tailEnd type="none" w="med" len="med"/>
-                    </a:lnR>
-                    <a:lnB w="12700" cap="flat" cmpd="sng" algn="ctr">
-                      <a:solidFill>
-                        <a:schemeClr val="tx1"/>
-                      </a:solidFill>
-                      <a:prstDash val="solid"/>
-                      <a:round/>
-                      <a:headEnd type="none" w="med" len="med"/>
-                      <a:tailEnd type="none" w="med" len="med"/>
-                    </a:lnB>
-                  </a:tcPr>
-                </a:tc>
-                <a:tc>
-                  <a:txBody>
-                    <a:bodyPr/>
-                    <a:lstStyle/>
-                    <a:p>
-                      <a:pPr algn="ctr"/>
-                      <a:r>
-                        <a:rPr lang="en-US" sz="1800" b="0" kern="1200" dirty="0">
-                          <a:solidFill>
-                            <a:schemeClr val="dk1"/>
-                          </a:solidFill>
-                          <a:effectLst/>
-                        </a:rPr>
-                        <a:t>✅</a:t>
-                      </a:r>
-                      <a:endParaRPr lang="en-US" dirty="0"/>
-                    </a:p>
-                  </a:txBody>
-                  <a:tcPr anchor="ctr">
-                    <a:lnL w="12700" cap="flat" cmpd="sng" algn="ctr">
-                      <a:solidFill>
-                        <a:schemeClr val="tx1"/>
-                      </a:solidFill>
-                      <a:prstDash val="solid"/>
-                      <a:round/>
-                      <a:headEnd type="none" w="med" len="med"/>
-                      <a:tailEnd type="none" w="med" len="med"/>
-                    </a:lnL>
-                    <a:lnB w="12700" cap="flat" cmpd="sng" algn="ctr">
-                      <a:solidFill>
-                        <a:schemeClr val="tx1"/>
-                      </a:solidFill>
-                      <a:prstDash val="solid"/>
-                      <a:round/>
-                      <a:headEnd type="none" w="med" len="med"/>
-                      <a:tailEnd type="none" w="med" len="med"/>
-                    </a:lnB>
-                  </a:tcPr>
-                </a:tc>
-                <a:extLst>
-                  <a:ext uri="{0D108BD9-81ED-4DB2-BD59-A6C34878D82A}">
-                    <a16:rowId xmlns:a16="http://schemas.microsoft.com/office/drawing/2014/main" val="3582447491"/>
-                  </a:ext>
-                </a:extLst>
-              </a:tr>
-              <a:tr h="496663">
-                <a:tc>
-                  <a:txBody>
-                    <a:bodyPr/>
-                    <a:lstStyle/>
-                    <a:p>
-                      <a:pPr marL="0" marR="0" lvl="0" indent="0" algn="r" defTabSz="914400" rtl="0" eaLnBrk="1" fontAlgn="auto" latinLnBrk="0" hangingPunct="1">
-                        <a:lnSpc>
-                          <a:spcPct val="100000"/>
-                        </a:lnSpc>
-                        <a:spcBef>
-                          <a:spcPts val="0"/>
-                        </a:spcBef>
-                        <a:spcAft>
-                          <a:spcPts val="0"/>
-                        </a:spcAft>
-                        <a:buClrTx/>
-                        <a:buSzTx/>
-                        <a:buFontTx/>
-                        <a:buNone/>
-                        <a:tabLst/>
-                        <a:defRPr/>
-                      </a:pPr>
-                      <a:r>
-                        <a:rPr lang="en-US" sz="1800" dirty="0"/>
-                        <a:t>Online Surveys</a:t>
-                      </a:r>
-                      <a:endParaRPr lang="en-US" dirty="0"/>
-                    </a:p>
-                  </a:txBody>
-                  <a:tcPr anchor="ctr">
-                    <a:lnR w="12700" cap="flat" cmpd="sng" algn="ctr">
-                      <a:solidFill>
-                        <a:schemeClr val="tx1"/>
-                      </a:solidFill>
-                      <a:prstDash val="solid"/>
-                      <a:round/>
-                      <a:headEnd type="none" w="med" len="med"/>
-                      <a:tailEnd type="none" w="med" len="med"/>
-                    </a:lnR>
-                    <a:lnT w="12700" cap="flat" cmpd="sng" algn="ctr">
-                      <a:solidFill>
-                        <a:schemeClr val="tx1"/>
-                      </a:solidFill>
-                      <a:prstDash val="solid"/>
-                      <a:round/>
-                      <a:headEnd type="none" w="med" len="med"/>
-                      <a:tailEnd type="none" w="med" len="med"/>
-                    </a:lnT>
-                    <a:lnB w="12700" cap="flat" cmpd="sng" algn="ctr">
-                      <a:solidFill>
-                        <a:schemeClr val="tx1"/>
-                      </a:solidFill>
-                      <a:prstDash val="solid"/>
-                      <a:round/>
-                      <a:headEnd type="none" w="med" len="med"/>
-                      <a:tailEnd type="none" w="med" len="med"/>
-                    </a:lnB>
-                  </a:tcPr>
-                </a:tc>
-                <a:tc>
-                  <a:txBody>
-                    <a:bodyPr/>
-                    <a:lstStyle/>
-                    <a:p>
-                      <a:pPr marL="0" marR="0" lvl="0" indent="0" algn="ctr" defTabSz="914400" rtl="0" eaLnBrk="1" fontAlgn="auto" latinLnBrk="0" hangingPunct="1">
-                        <a:lnSpc>
-                          <a:spcPct val="100000"/>
-                        </a:lnSpc>
-                        <a:spcBef>
-                          <a:spcPts val="0"/>
-                        </a:spcBef>
-                        <a:spcAft>
-                          <a:spcPts val="0"/>
-                        </a:spcAft>
-                        <a:buClrTx/>
-                        <a:buSzTx/>
-                        <a:buFontTx/>
-                        <a:buNone/>
-                        <a:tabLst/>
-                        <a:defRPr/>
-                      </a:pPr>
-                      <a:r>
-                        <a:rPr lang="en-US" sz="1800" b="0" kern="1200" dirty="0">
-                          <a:solidFill>
-                            <a:schemeClr val="dk1"/>
-                          </a:solidFill>
-                          <a:effectLst/>
-                        </a:rPr>
-                        <a:t>✅</a:t>
-                      </a:r>
-                      <a:endParaRPr lang="en-US" dirty="0"/>
-                    </a:p>
-                  </a:txBody>
-                  <a:tcPr anchor="ctr">
-                    <a:lnL w="12700" cap="flat" cmpd="sng" algn="ctr">
-                      <a:solidFill>
-                        <a:schemeClr val="tx1"/>
-                      </a:solidFill>
-                      <a:prstDash val="solid"/>
-                      <a:round/>
-                      <a:headEnd type="none" w="med" len="med"/>
-                      <a:tailEnd type="none" w="med" len="med"/>
-                    </a:lnL>
-                    <a:lnR w="12700" cap="flat" cmpd="sng" algn="ctr">
-                      <a:solidFill>
-                        <a:schemeClr val="tx1"/>
-                      </a:solidFill>
-                      <a:prstDash val="solid"/>
-                      <a:round/>
-                      <a:headEnd type="none" w="med" len="med"/>
-                      <a:tailEnd type="none" w="med" len="med"/>
-                    </a:lnR>
-                    <a:lnT w="12700" cap="flat" cmpd="sng" algn="ctr">
-                      <a:solidFill>
-                        <a:schemeClr val="tx1"/>
-                      </a:solidFill>
-                      <a:prstDash val="solid"/>
-                      <a:round/>
-                      <a:headEnd type="none" w="med" len="med"/>
-                      <a:tailEnd type="none" w="med" len="med"/>
-                    </a:lnT>
-                    <a:lnB w="12700" cap="flat" cmpd="sng" algn="ctr">
-                      <a:solidFill>
-                        <a:schemeClr val="tx1"/>
-                      </a:solidFill>
-                      <a:prstDash val="solid"/>
-                      <a:round/>
-                      <a:headEnd type="none" w="med" len="med"/>
-                      <a:tailEnd type="none" w="med" len="med"/>
-                    </a:lnB>
-                    <a:lnTlToBr w="12700" cmpd="sng">
-                      <a:noFill/>
-                      <a:prstDash val="solid"/>
-                    </a:lnTlToBr>
-                    <a:lnBlToTr w="12700" cmpd="sng">
-                      <a:noFill/>
-                      <a:prstDash val="solid"/>
-                    </a:lnBlToTr>
-                  </a:tcPr>
-                </a:tc>
-                <a:tc>
-                  <a:txBody>
-                    <a:bodyPr/>
-                    <a:lstStyle/>
-                    <a:p>
-                      <a:pPr algn="ctr"/>
-                      <a:endParaRPr lang="en-US" dirty="0"/>
-                    </a:p>
-                  </a:txBody>
-                  <a:tcPr anchor="ctr">
-                    <a:lnL w="12700" cap="flat" cmpd="sng" algn="ctr">
-                      <a:solidFill>
-                        <a:schemeClr val="tx1"/>
-                      </a:solidFill>
-                      <a:prstDash val="solid"/>
-                      <a:round/>
-                      <a:headEnd type="none" w="med" len="med"/>
-                      <a:tailEnd type="none" w="med" len="med"/>
-                    </a:lnL>
-                    <a:lnR w="12700" cap="flat" cmpd="sng" algn="ctr">
-                      <a:solidFill>
-                        <a:schemeClr val="tx1"/>
-                      </a:solidFill>
-                      <a:prstDash val="solid"/>
-                      <a:round/>
-                      <a:headEnd type="none" w="med" len="med"/>
-                      <a:tailEnd type="none" w="med" len="med"/>
-                    </a:lnR>
-                    <a:lnT w="12700" cap="flat" cmpd="sng" algn="ctr">
-                      <a:solidFill>
-                        <a:schemeClr val="tx1"/>
-                      </a:solidFill>
-                      <a:prstDash val="solid"/>
-                      <a:round/>
-                      <a:headEnd type="none" w="med" len="med"/>
-                      <a:tailEnd type="none" w="med" len="med"/>
-                    </a:lnT>
-                    <a:lnB w="12700" cap="flat" cmpd="sng" algn="ctr">
-                      <a:solidFill>
-                        <a:schemeClr val="tx1"/>
-                      </a:solidFill>
-                      <a:prstDash val="solid"/>
-                      <a:round/>
-                      <a:headEnd type="none" w="med" len="med"/>
-                      <a:tailEnd type="none" w="med" len="med"/>
-                    </a:lnB>
-                  </a:tcPr>
-                </a:tc>
-                <a:tc>
-                  <a:txBody>
-                    <a:bodyPr/>
-                    <a:lstStyle/>
-                    <a:p>
-                      <a:pPr algn="ctr"/>
-                      <a:endParaRPr lang="en-US" dirty="0"/>
-                    </a:p>
-                  </a:txBody>
-                  <a:tcPr anchor="ctr">
-                    <a:lnL w="12700" cap="flat" cmpd="sng" algn="ctr">
-                      <a:solidFill>
-                        <a:schemeClr val="tx1"/>
-                      </a:solidFill>
-                      <a:prstDash val="solid"/>
-                      <a:round/>
-                      <a:headEnd type="none" w="med" len="med"/>
-                      <a:tailEnd type="none" w="med" len="med"/>
-                    </a:lnL>
-                    <a:lnR w="12700" cap="flat" cmpd="sng" algn="ctr">
-                      <a:solidFill>
-                        <a:schemeClr val="tx1"/>
-                      </a:solidFill>
-                      <a:prstDash val="solid"/>
-                      <a:round/>
-                      <a:headEnd type="none" w="med" len="med"/>
-                      <a:tailEnd type="none" w="med" len="med"/>
-                    </a:lnR>
-                    <a:lnT w="12700" cap="flat" cmpd="sng" algn="ctr">
-                      <a:solidFill>
-                        <a:schemeClr val="tx1"/>
-                      </a:solidFill>
-                      <a:prstDash val="solid"/>
-                      <a:round/>
-                      <a:headEnd type="none" w="med" len="med"/>
-                      <a:tailEnd type="none" w="med" len="med"/>
-                    </a:lnT>
-                    <a:lnB w="12700" cap="flat" cmpd="sng" algn="ctr">
-                      <a:solidFill>
-                        <a:schemeClr val="tx1"/>
-                      </a:solidFill>
-                      <a:prstDash val="solid"/>
-                      <a:round/>
-                      <a:headEnd type="none" w="med" len="med"/>
-                      <a:tailEnd type="none" w="med" len="med"/>
-                    </a:lnB>
-                  </a:tcPr>
-                </a:tc>
-                <a:tc>
-                  <a:txBody>
-                    <a:bodyPr/>
-                    <a:lstStyle/>
-                    <a:p>
-                      <a:pPr algn="ctr"/>
-                      <a:endParaRPr lang="en-US" dirty="0"/>
-                    </a:p>
-                  </a:txBody>
-                  <a:tcPr anchor="ctr">
-                    <a:lnL w="12700" cap="flat" cmpd="sng" algn="ctr">
-                      <a:solidFill>
-                        <a:schemeClr val="tx1"/>
-                      </a:solidFill>
-                      <a:prstDash val="solid"/>
-                      <a:round/>
-                      <a:headEnd type="none" w="med" len="med"/>
-                      <a:tailEnd type="none" w="med" len="med"/>
-                    </a:lnL>
-                    <a:lnT w="12700" cap="flat" cmpd="sng" algn="ctr">
-                      <a:solidFill>
-                        <a:schemeClr val="tx1"/>
-                      </a:solidFill>
-                      <a:prstDash val="solid"/>
-                      <a:round/>
-                      <a:headEnd type="none" w="med" len="med"/>
-                      <a:tailEnd type="none" w="med" len="med"/>
-                    </a:lnT>
-                    <a:lnB w="12700" cap="flat" cmpd="sng" algn="ctr">
-                      <a:solidFill>
-                        <a:schemeClr val="tx1"/>
-                      </a:solidFill>
-                      <a:prstDash val="solid"/>
-                      <a:round/>
-                      <a:headEnd type="none" w="med" len="med"/>
-                      <a:tailEnd type="none" w="med" len="med"/>
-                    </a:lnB>
-                  </a:tcPr>
-                </a:tc>
-                <a:extLst>
-                  <a:ext uri="{0D108BD9-81ED-4DB2-BD59-A6C34878D82A}">
-                    <a16:rowId xmlns:a16="http://schemas.microsoft.com/office/drawing/2014/main" val="2693766430"/>
-                  </a:ext>
-                </a:extLst>
-              </a:tr>
-              <a:tr h="489859">
-                <a:tc>
-                  <a:txBody>
-                    <a:bodyPr/>
-                    <a:lstStyle/>
-                    <a:p>
-                      <a:pPr marL="0" marR="0" lvl="0" indent="0" algn="r" defTabSz="914400" rtl="0" eaLnBrk="1" fontAlgn="auto" latinLnBrk="0" hangingPunct="1">
-                        <a:lnSpc>
-                          <a:spcPct val="100000"/>
-                        </a:lnSpc>
-                        <a:spcBef>
-                          <a:spcPts val="0"/>
-                        </a:spcBef>
-                        <a:spcAft>
-                          <a:spcPts val="0"/>
-                        </a:spcAft>
-                        <a:buClrTx/>
-                        <a:buSzTx/>
-                        <a:buFontTx/>
-                        <a:buNone/>
-                        <a:tabLst/>
-                        <a:defRPr/>
-                      </a:pPr>
-                      <a:r>
-                        <a:rPr lang="en-US" sz="1800" dirty="0"/>
-                        <a:t>Model Estimation</a:t>
-                      </a:r>
-                      <a:endParaRPr lang="en-US" sz="1800" dirty="0">
-                        <a:latin typeface="Fira Sans Condensed Medium" panose="020B0603050000020004" pitchFamily="34" charset="0"/>
-                      </a:endParaRPr>
-                    </a:p>
-                  </a:txBody>
-                  <a:tcPr anchor="ctr">
-                    <a:lnR w="12700" cap="flat" cmpd="sng" algn="ctr">
-                      <a:solidFill>
-                        <a:schemeClr val="tx1"/>
-                      </a:solidFill>
-                      <a:prstDash val="solid"/>
-                      <a:round/>
-                      <a:headEnd type="none" w="med" len="med"/>
-                      <a:tailEnd type="none" w="med" len="med"/>
-                    </a:lnR>
-                    <a:lnT w="12700" cap="flat" cmpd="sng" algn="ctr">
-                      <a:solidFill>
-                        <a:schemeClr val="tx1"/>
-                      </a:solidFill>
-                      <a:prstDash val="solid"/>
-                      <a:round/>
-                      <a:headEnd type="none" w="med" len="med"/>
-                      <a:tailEnd type="none" w="med" len="med"/>
-                    </a:lnT>
-                  </a:tcPr>
-                </a:tc>
-                <a:tc>
-                  <a:txBody>
-                    <a:bodyPr/>
-                    <a:lstStyle/>
-                    <a:p>
-                      <a:pPr algn="ctr"/>
-                      <a:r>
-                        <a:rPr lang="en-US" sz="1800" b="0" kern="1200" dirty="0">
-                          <a:solidFill>
-                            <a:schemeClr val="dk1"/>
-                          </a:solidFill>
-                          <a:effectLst/>
-                        </a:rPr>
-                        <a:t>✅</a:t>
-                      </a:r>
-                      <a:endParaRPr lang="en-US" dirty="0"/>
-                    </a:p>
-                  </a:txBody>
-                  <a:tcPr anchor="ctr">
-                    <a:lnL w="12700" cap="flat" cmpd="sng" algn="ctr">
-                      <a:solidFill>
-                        <a:schemeClr val="tx1"/>
-                      </a:solidFill>
-                      <a:prstDash val="solid"/>
-                      <a:round/>
-                      <a:headEnd type="none" w="med" len="med"/>
-                      <a:tailEnd type="none" w="med" len="med"/>
-                    </a:lnL>
-                    <a:lnR w="12700" cap="flat" cmpd="sng" algn="ctr">
-                      <a:solidFill>
-                        <a:schemeClr val="tx1"/>
-                      </a:solidFill>
-                      <a:prstDash val="solid"/>
-                      <a:round/>
-                      <a:headEnd type="none" w="med" len="med"/>
-                      <a:tailEnd type="none" w="med" len="med"/>
-                    </a:lnR>
-                    <a:lnT w="12700" cap="flat" cmpd="sng" algn="ctr">
-                      <a:solidFill>
-                        <a:schemeClr val="tx1"/>
-                      </a:solidFill>
-                      <a:prstDash val="solid"/>
-                      <a:round/>
-                      <a:headEnd type="none" w="med" len="med"/>
-                      <a:tailEnd type="none" w="med" len="med"/>
-                    </a:lnT>
-                    <a:lnB>
-                      <a:noFill/>
-                    </a:lnB>
-                    <a:lnTlToBr w="12700" cmpd="sng">
-                      <a:noFill/>
-                      <a:prstDash val="solid"/>
-                    </a:lnTlToBr>
-                    <a:lnBlToTr w="12700" cmpd="sng">
-                      <a:noFill/>
-                      <a:prstDash val="solid"/>
-                    </a:lnBlToTr>
-                  </a:tcPr>
-                </a:tc>
-                <a:tc>
-                  <a:txBody>
-                    <a:bodyPr/>
-                    <a:lstStyle/>
-                    <a:p>
-                      <a:pPr algn="ctr"/>
-                      <a:r>
-                        <a:rPr lang="en-US" sz="1800" b="0" kern="1200" dirty="0">
-                          <a:solidFill>
-                            <a:schemeClr val="dk1"/>
-                          </a:solidFill>
-                          <a:effectLst/>
-                        </a:rPr>
-                        <a:t>✅</a:t>
-                      </a:r>
-                      <a:endParaRPr lang="en-US" dirty="0"/>
-                    </a:p>
-                  </a:txBody>
-                  <a:tcPr anchor="ctr">
-                    <a:lnL w="12700" cap="flat" cmpd="sng" algn="ctr">
-                      <a:solidFill>
-                        <a:schemeClr val="tx1"/>
-                      </a:solidFill>
-                      <a:prstDash val="solid"/>
-                      <a:round/>
-                      <a:headEnd type="none" w="med" len="med"/>
-                      <a:tailEnd type="none" w="med" len="med"/>
-                    </a:lnL>
-                    <a:lnR w="12700" cap="flat" cmpd="sng" algn="ctr">
-                      <a:solidFill>
-                        <a:schemeClr val="tx1"/>
-                      </a:solidFill>
-                      <a:prstDash val="solid"/>
-                      <a:round/>
-                      <a:headEnd type="none" w="med" len="med"/>
-                      <a:tailEnd type="none" w="med" len="med"/>
-                    </a:lnR>
-                    <a:lnT w="12700" cap="flat" cmpd="sng" algn="ctr">
-                      <a:solidFill>
-                        <a:schemeClr val="tx1"/>
-                      </a:solidFill>
-                      <a:prstDash val="solid"/>
-                      <a:round/>
-                      <a:headEnd type="none" w="med" len="med"/>
-                      <a:tailEnd type="none" w="med" len="med"/>
-                    </a:lnT>
-                  </a:tcPr>
-                </a:tc>
-                <a:tc>
-                  <a:txBody>
-                    <a:bodyPr/>
-                    <a:lstStyle/>
-                    <a:p>
-                      <a:pPr algn="ctr"/>
-                      <a:r>
-                        <a:rPr lang="en-US" sz="1800" b="0" kern="1200" dirty="0">
-                          <a:solidFill>
-                            <a:schemeClr val="dk1"/>
-                          </a:solidFill>
-                          <a:effectLst/>
-                        </a:rPr>
-                        <a:t>✅</a:t>
-                      </a:r>
-                      <a:endParaRPr lang="en-US" dirty="0"/>
-                    </a:p>
-                  </a:txBody>
-                  <a:tcPr anchor="ctr">
-                    <a:lnL w="12700" cap="flat" cmpd="sng" algn="ctr">
-                      <a:solidFill>
-                        <a:schemeClr val="tx1"/>
-                      </a:solidFill>
-                      <a:prstDash val="solid"/>
-                      <a:round/>
-                      <a:headEnd type="none" w="med" len="med"/>
-                      <a:tailEnd type="none" w="med" len="med"/>
-                    </a:lnL>
-                    <a:lnR w="12700" cap="flat" cmpd="sng" algn="ctr">
-                      <a:solidFill>
-                        <a:schemeClr val="tx1"/>
-                      </a:solidFill>
-                      <a:prstDash val="solid"/>
-                      <a:round/>
-                      <a:headEnd type="none" w="med" len="med"/>
-                      <a:tailEnd type="none" w="med" len="med"/>
-                    </a:lnR>
-                    <a:lnT w="12700" cap="flat" cmpd="sng" algn="ctr">
-                      <a:solidFill>
-                        <a:schemeClr val="tx1"/>
-                      </a:solidFill>
-                      <a:prstDash val="solid"/>
-                      <a:round/>
-                      <a:headEnd type="none" w="med" len="med"/>
-                      <a:tailEnd type="none" w="med" len="med"/>
-                    </a:lnT>
-                  </a:tcPr>
-                </a:tc>
-                <a:tc>
-                  <a:txBody>
-                    <a:bodyPr/>
-                    <a:lstStyle/>
-                    <a:p>
-                      <a:pPr algn="ctr"/>
-                      <a:endParaRPr lang="en-US" dirty="0"/>
-                    </a:p>
-                  </a:txBody>
-                  <a:tcPr anchor="ctr">
-                    <a:lnL w="12700" cap="flat" cmpd="sng" algn="ctr">
-                      <a:solidFill>
-                        <a:schemeClr val="tx1"/>
-                      </a:solidFill>
-                      <a:prstDash val="solid"/>
-                      <a:round/>
-                      <a:headEnd type="none" w="med" len="med"/>
-                      <a:tailEnd type="none" w="med" len="med"/>
-                    </a:lnL>
-                    <a:lnT w="12700" cap="flat" cmpd="sng" algn="ctr">
-                      <a:solidFill>
-                        <a:schemeClr val="tx1"/>
-                      </a:solidFill>
-                      <a:prstDash val="solid"/>
-                      <a:round/>
-                      <a:headEnd type="none" w="med" len="med"/>
-                      <a:tailEnd type="none" w="med" len="med"/>
-                    </a:lnT>
-                  </a:tcPr>
-                </a:tc>
-                <a:extLst>
-                  <a:ext uri="{0D108BD9-81ED-4DB2-BD59-A6C34878D82A}">
-                    <a16:rowId xmlns:a16="http://schemas.microsoft.com/office/drawing/2014/main" val="81536431"/>
-                  </a:ext>
-                </a:extLst>
-              </a:tr>
-            </a:tbl>
-          </a:graphicData>
-        </a:graphic>
-      </p:graphicFrame>
-      <p:pic>
-        <p:nvPicPr>
-          <p:cNvPr id="6" name="Picture 5" descr="A black background with white text&#10;&#10;Description automatically generated with low confidence">
-            <a:extLst>
-              <a:ext uri="{FF2B5EF4-FFF2-40B4-BE49-F238E27FC236}">
-                <a16:creationId xmlns:a16="http://schemas.microsoft.com/office/drawing/2014/main" id="{DC3D11A6-24FE-9131-6B2A-71F4AFCF6322}"/>
-              </a:ext>
-            </a:extLst>
-          </p:cNvPr>
-          <p:cNvPicPr>
-            <a:picLocks noChangeAspect="1"/>
-          </p:cNvPicPr>
-          <p:nvPr/>
-        </p:nvPicPr>
-        <p:blipFill>
-          <a:blip r:embed="rId2"/>
-          <a:stretch>
-            <a:fillRect/>
-          </a:stretch>
-        </p:blipFill>
-        <p:spPr>
-          <a:xfrm>
-            <a:off x="4880518" y="871827"/>
-            <a:ext cx="2748237" cy="726123"/>
-          </a:xfrm>
-          <a:prstGeom prst="rect">
-            <a:avLst/>
-          </a:prstGeom>
-        </p:spPr>
-      </p:pic>
-      <p:pic>
-        <p:nvPicPr>
-          <p:cNvPr id="1028" name="Picture 4" descr="Statistical software for data science | Stata">
-            <a:extLst>
-              <a:ext uri="{FF2B5EF4-FFF2-40B4-BE49-F238E27FC236}">
-                <a16:creationId xmlns:a16="http://schemas.microsoft.com/office/drawing/2014/main" id="{7DBE03CB-BABA-CA49-853C-49E8B77E040B}"/>
-              </a:ext>
-            </a:extLst>
-          </p:cNvPr>
-          <p:cNvPicPr>
-            <a:picLocks noChangeAspect="1" noChangeArrowheads="1"/>
-          </p:cNvPicPr>
-          <p:nvPr/>
-        </p:nvPicPr>
-        <p:blipFill>
-          <a:blip r:embed="rId3">
-            <a:extLst>
-              <a:ext uri="{28A0092B-C50C-407E-A947-70E740481C1C}">
-                <a14:useLocalDpi xmlns:a14="http://schemas.microsoft.com/office/drawing/2010/main" val="0"/>
-              </a:ext>
-            </a:extLst>
-          </a:blip>
-          <a:srcRect/>
-          <a:stretch>
-            <a:fillRect/>
-          </a:stretch>
-        </p:blipFill>
-        <p:spPr bwMode="auto">
-          <a:xfrm>
-            <a:off x="7784076" y="1084807"/>
-            <a:ext cx="2148239" cy="490110"/>
-          </a:xfrm>
-          <a:prstGeom prst="rect">
-            <a:avLst/>
-          </a:prstGeom>
-          <a:noFill/>
-          <a:extLst>
-            <a:ext uri="{909E8E84-426E-40DD-AFC4-6F175D3DCCD1}">
-              <a14:hiddenFill xmlns:a14="http://schemas.microsoft.com/office/drawing/2010/main">
-                <a:solidFill>
-                  <a:srgbClr val="FFFFFF"/>
-                </a:solidFill>
-              </a14:hiddenFill>
-            </a:ext>
-          </a:extLst>
-        </p:spPr>
-      </p:pic>
-      <p:pic>
-        <p:nvPicPr>
-          <p:cNvPr id="7" name="Picture 2" descr="Sawtooth Software Inc Client Reviews | Clutch.co">
-            <a:extLst>
-              <a:ext uri="{FF2B5EF4-FFF2-40B4-BE49-F238E27FC236}">
-                <a16:creationId xmlns:a16="http://schemas.microsoft.com/office/drawing/2014/main" id="{4B933197-CE42-6FA1-A6ED-652F90B43BD9}"/>
-              </a:ext>
-            </a:extLst>
-          </p:cNvPr>
-          <p:cNvPicPr>
-            <a:picLocks noChangeAspect="1" noChangeArrowheads="1"/>
-          </p:cNvPicPr>
-          <p:nvPr/>
-        </p:nvPicPr>
-        <p:blipFill>
-          <a:blip r:embed="rId4">
-            <a:extLst>
-              <a:ext uri="{28A0092B-C50C-407E-A947-70E740481C1C}">
-                <a14:useLocalDpi xmlns:a14="http://schemas.microsoft.com/office/drawing/2010/main" val="0"/>
-              </a:ext>
-            </a:extLst>
-          </a:blip>
-          <a:srcRect/>
-          <a:stretch>
-            <a:fillRect/>
-          </a:stretch>
-        </p:blipFill>
-        <p:spPr bwMode="auto">
-          <a:xfrm>
-            <a:off x="2784352" y="548160"/>
-            <a:ext cx="1816539" cy="1816539"/>
-          </a:xfrm>
-          <a:prstGeom prst="rect">
-            <a:avLst/>
-          </a:prstGeom>
-          <a:noFill/>
-          <a:extLst>
-            <a:ext uri="{909E8E84-426E-40DD-AFC4-6F175D3DCCD1}">
-              <a14:hiddenFill xmlns:a14="http://schemas.microsoft.com/office/drawing/2010/main">
-                <a:solidFill>
-                  <a:srgbClr val="FFFFFF"/>
-                </a:solidFill>
-              </a14:hiddenFill>
-            </a:ext>
-          </a:extLst>
-        </p:spPr>
-      </p:pic>
-      <p:pic>
-        <p:nvPicPr>
-          <p:cNvPr id="16" name="Graphic 15">
-            <a:extLst>
-              <a:ext uri="{FF2B5EF4-FFF2-40B4-BE49-F238E27FC236}">
-                <a16:creationId xmlns:a16="http://schemas.microsoft.com/office/drawing/2014/main" id="{1CE45DDB-29D0-A532-BFDA-F1C5DFFCE45C}"/>
-              </a:ext>
-            </a:extLst>
-          </p:cNvPr>
-          <p:cNvPicPr>
-            <a:picLocks noChangeAspect="1"/>
-          </p:cNvPicPr>
-          <p:nvPr/>
-        </p:nvPicPr>
-        <p:blipFill>
-          <a:blip r:embed="rId5">
-            <a:extLst>
-              <a:ext uri="{96DAC541-7B7A-43D3-8B79-37D633B846F1}">
-                <asvg:svgBlip xmlns:asvg="http://schemas.microsoft.com/office/drawing/2016/SVG/main" r:embed="rId6"/>
-              </a:ext>
-            </a:extLst>
-          </a:blip>
-          <a:stretch>
-            <a:fillRect/>
-          </a:stretch>
-        </p:blipFill>
-        <p:spPr>
-          <a:xfrm>
-            <a:off x="10360595" y="758638"/>
-            <a:ext cx="1320800" cy="952500"/>
-          </a:xfrm>
-          <a:prstGeom prst="rect">
-            <a:avLst/>
-          </a:prstGeom>
-        </p:spPr>
-      </p:pic>
     </p:spTree>
     <p:extLst>
       <p:ext uri="{BB962C8B-B14F-4D97-AF65-F5344CB8AC3E}">
